--- a/Project Presentation.pptx
+++ b/Project Presentation.pptx
@@ -5,22 +5,24 @@
     <p:sldMasterId id="2147483660" r:id="rId4"/>
   </p:sldMasterIdLst>
   <p:notesMasterIdLst>
-    <p:notesMasterId r:id="rId18"/>
+    <p:notesMasterId r:id="rId20"/>
   </p:notesMasterIdLst>
   <p:sldIdLst>
     <p:sldId id="257" r:id="rId5"/>
     <p:sldId id="258" r:id="rId6"/>
     <p:sldId id="259" r:id="rId7"/>
     <p:sldId id="260" r:id="rId8"/>
-    <p:sldId id="270" r:id="rId9"/>
-    <p:sldId id="261" r:id="rId10"/>
-    <p:sldId id="262" r:id="rId11"/>
-    <p:sldId id="263" r:id="rId12"/>
-    <p:sldId id="264" r:id="rId13"/>
-    <p:sldId id="265" r:id="rId14"/>
-    <p:sldId id="271" r:id="rId15"/>
-    <p:sldId id="266" r:id="rId16"/>
-    <p:sldId id="267" r:id="rId17"/>
+    <p:sldId id="261" r:id="rId9"/>
+    <p:sldId id="262" r:id="rId10"/>
+    <p:sldId id="263" r:id="rId11"/>
+    <p:sldId id="264" r:id="rId12"/>
+    <p:sldId id="272" r:id="rId13"/>
+    <p:sldId id="273" r:id="rId14"/>
+    <p:sldId id="275" r:id="rId15"/>
+    <p:sldId id="276" r:id="rId16"/>
+    <p:sldId id="265" r:id="rId17"/>
+    <p:sldId id="266" r:id="rId18"/>
+    <p:sldId id="267" r:id="rId19"/>
   </p:sldIdLst>
   <p:sldSz cx="9144000" cy="6858000" type="screen4x3"/>
   <p:notesSz cx="6858000" cy="9144000"/>
@@ -220,7 +222,7 @@
           <a:p>
             <a:fld id="{3C386420-1856-4FF9-B0C3-023CBAC50013}" type="datetimeFigureOut">
               <a:rPr lang="en-US" smtClean="0"/>
-              <a:t>1/5/2019</a:t>
+              <a:t>1/7/2019</a:t>
             </a:fld>
             <a:endParaRPr lang="en-US"/>
           </a:p>
@@ -1266,7 +1268,7 @@
           <a:graphicData uri="http://schemas.openxmlformats.org/presentationml/2006/ole">
             <mc:AlternateContent xmlns:mc="http://schemas.openxmlformats.org/markup-compatibility/2006">
               <mc:Choice xmlns:v="urn:schemas-microsoft-com:vml" Requires="v">
-                <p:oleObj spid="_x0000_s1050" name="think-cell Slide" r:id="rId6" imgW="360" imgH="360" progId="">
+                <p:oleObj spid="_x0000_s1062" name="think-cell Slide" r:id="rId6" imgW="360" imgH="360" progId="">
                   <p:embed/>
                 </p:oleObj>
               </mc:Choice>
@@ -2087,7 +2089,7 @@
           <a:p>
             <a:fld id="{DD813432-CCF5-40C9-B4BB-E31C0BAC7659}" type="datetimeFigureOut">
               <a:rPr lang="en-US" smtClean="0"/>
-              <a:t>1/5/2019</a:t>
+              <a:t>1/7/2019</a:t>
             </a:fld>
             <a:endParaRPr lang="en-US"/>
           </a:p>
@@ -2255,7 +2257,7 @@
           <a:p>
             <a:fld id="{DD813432-CCF5-40C9-B4BB-E31C0BAC7659}" type="datetimeFigureOut">
               <a:rPr lang="en-US" smtClean="0"/>
-              <a:t>1/5/2019</a:t>
+              <a:t>1/7/2019</a:t>
             </a:fld>
             <a:endParaRPr lang="en-US"/>
           </a:p>
@@ -3049,74 +3051,190 @@
           <a:chExt cx="0" cy="0"/>
         </a:xfrm>
       </p:grpSpPr>
-      <p:sp>
-        <p:nvSpPr>
-          <p:cNvPr id="2" name="Title 1"/>
-          <p:cNvSpPr>
-            <a:spLocks noGrp="1"/>
-          </p:cNvSpPr>
-          <p:nvPr>
-            <p:ph type="title"/>
-          </p:nvPr>
-        </p:nvSpPr>
-        <p:spPr/>
-        <p:txBody>
-          <a:bodyPr/>
-          <a:lstStyle/>
-          <a:p>
-            <a:r>
-              <a:rPr lang="en-US" dirty="0"/>
-              <a:t>Screen shots</a:t>
-            </a:r>
-          </a:p>
-        </p:txBody>
-      </p:sp>
       <p:pic>
         <p:nvPicPr>
-          <p:cNvPr id="4" name="Content Placeholder 3"/>
+          <p:cNvPr id="4" name="Picture 3"/>
           <p:cNvPicPr>
-            <a:picLocks noGrp="1" noChangeAspect="1"/>
+            <a:picLocks noChangeAspect="1"/>
           </p:cNvPicPr>
-          <p:nvPr>
-            <p:ph idx="1"/>
-          </p:nvPr>
+          <p:nvPr/>
         </p:nvPicPr>
         <p:blipFill>
-          <a:blip r:embed="rId2">
-            <a:extLst>
-              <a:ext uri="{28A0092B-C50C-407E-A947-70E740481C1C}">
-                <a14:useLocalDpi xmlns:a14="http://schemas.microsoft.com/office/drawing/2010/main" val="0"/>
-              </a:ext>
-            </a:extLst>
-          </a:blip>
+          <a:blip r:embed="rId2"/>
           <a:stretch>
             <a:fillRect/>
           </a:stretch>
         </p:blipFill>
         <p:spPr>
           <a:xfrm>
-            <a:off x="823390" y="1268413"/>
-            <a:ext cx="7497221" cy="4522787"/>
+            <a:off x="809625" y="1295400"/>
+            <a:ext cx="7524750" cy="4267200"/>
           </a:xfrm>
           <a:prstGeom prst="rect">
             <a:avLst/>
           </a:prstGeom>
-          <a:ln w="38100" cap="sq">
-            <a:solidFill>
-              <a:srgbClr val="000000"/>
-            </a:solidFill>
-            <a:prstDash val="solid"/>
-            <a:miter lim="800000"/>
-          </a:ln>
-          <a:effectLst>
-            <a:outerShdw blurRad="50800" dist="38100" dir="2700000" algn="tl" rotWithShape="0">
-              <a:srgbClr val="000000">
-                <a:alpha val="43000"/>
-              </a:srgbClr>
-            </a:outerShdw>
-          </a:effectLst>
         </p:spPr>
       </p:pic>
+    </p:spTree>
+    <p:extLst>
+      <p:ext uri="{BB962C8B-B14F-4D97-AF65-F5344CB8AC3E}">
+        <p14:creationId xmlns:p14="http://schemas.microsoft.com/office/powerpoint/2010/main" val="2151327123"/>
+      </p:ext>
+    </p:extLst>
+  </p:cSld>
+  <p:clrMapOvr>
+    <a:masterClrMapping/>
+  </p:clrMapOvr>
+</p:sld>
+</file>
+
+<file path=ppt/slides/slide11.xml><?xml version="1.0" encoding="utf-8"?>
+<p:sld xmlns:a="http://schemas.openxmlformats.org/drawingml/2006/main" xmlns:r="http://schemas.openxmlformats.org/officeDocument/2006/relationships" xmlns:p="http://schemas.openxmlformats.org/presentationml/2006/main">
+  <p:cSld>
+    <p:spTree>
+      <p:nvGrpSpPr>
+        <p:cNvPr id="1" name=""/>
+        <p:cNvGrpSpPr/>
+        <p:nvPr/>
+      </p:nvGrpSpPr>
+      <p:grpSpPr>
+        <a:xfrm>
+          <a:off x="0" y="0"/>
+          <a:ext cx="0" cy="0"/>
+          <a:chOff x="0" y="0"/>
+          <a:chExt cx="0" cy="0"/>
+        </a:xfrm>
+      </p:grpSpPr>
+      <p:pic>
+        <p:nvPicPr>
+          <p:cNvPr id="4" name="Picture 3"/>
+          <p:cNvPicPr>
+            <a:picLocks noChangeAspect="1"/>
+          </p:cNvPicPr>
+          <p:nvPr/>
+        </p:nvPicPr>
+        <p:blipFill>
+          <a:blip r:embed="rId2"/>
+          <a:stretch>
+            <a:fillRect/>
+          </a:stretch>
+        </p:blipFill>
+        <p:spPr>
+          <a:xfrm>
+            <a:off x="838200" y="1304925"/>
+            <a:ext cx="7467600" cy="4248150"/>
+          </a:xfrm>
+          <a:prstGeom prst="rect">
+            <a:avLst/>
+          </a:prstGeom>
+        </p:spPr>
+      </p:pic>
+    </p:spTree>
+    <p:extLst>
+      <p:ext uri="{BB962C8B-B14F-4D97-AF65-F5344CB8AC3E}">
+        <p14:creationId xmlns:p14="http://schemas.microsoft.com/office/powerpoint/2010/main" val="657420021"/>
+      </p:ext>
+    </p:extLst>
+  </p:cSld>
+  <p:clrMapOvr>
+    <a:masterClrMapping/>
+  </p:clrMapOvr>
+</p:sld>
+</file>
+
+<file path=ppt/slides/slide12.xml><?xml version="1.0" encoding="utf-8"?>
+<p:sld xmlns:a="http://schemas.openxmlformats.org/drawingml/2006/main" xmlns:r="http://schemas.openxmlformats.org/officeDocument/2006/relationships" xmlns:p="http://schemas.openxmlformats.org/presentationml/2006/main">
+  <p:cSld>
+    <p:spTree>
+      <p:nvGrpSpPr>
+        <p:cNvPr id="1" name=""/>
+        <p:cNvGrpSpPr/>
+        <p:nvPr/>
+      </p:nvGrpSpPr>
+      <p:grpSpPr>
+        <a:xfrm>
+          <a:off x="0" y="0"/>
+          <a:ext cx="0" cy="0"/>
+          <a:chOff x="0" y="0"/>
+          <a:chExt cx="0" cy="0"/>
+        </a:xfrm>
+      </p:grpSpPr>
+      <p:pic>
+        <p:nvPicPr>
+          <p:cNvPr id="4" name="Picture 3"/>
+          <p:cNvPicPr>
+            <a:picLocks noChangeAspect="1"/>
+          </p:cNvPicPr>
+          <p:nvPr/>
+        </p:nvPicPr>
+        <p:blipFill>
+          <a:blip r:embed="rId2"/>
+          <a:stretch>
+            <a:fillRect/>
+          </a:stretch>
+        </p:blipFill>
+        <p:spPr>
+          <a:xfrm>
+            <a:off x="828675" y="1323975"/>
+            <a:ext cx="7486650" cy="4210050"/>
+          </a:xfrm>
+          <a:prstGeom prst="rect">
+            <a:avLst/>
+          </a:prstGeom>
+        </p:spPr>
+      </p:pic>
+    </p:spTree>
+    <p:extLst>
+      <p:ext uri="{BB962C8B-B14F-4D97-AF65-F5344CB8AC3E}">
+        <p14:creationId xmlns:p14="http://schemas.microsoft.com/office/powerpoint/2010/main" val="3775759056"/>
+      </p:ext>
+    </p:extLst>
+  </p:cSld>
+  <p:clrMapOvr>
+    <a:masterClrMapping/>
+  </p:clrMapOvr>
+</p:sld>
+</file>
+
+<file path=ppt/slides/slide13.xml><?xml version="1.0" encoding="utf-8"?>
+<p:sld xmlns:a="http://schemas.openxmlformats.org/drawingml/2006/main" xmlns:r="http://schemas.openxmlformats.org/officeDocument/2006/relationships" xmlns:p="http://schemas.openxmlformats.org/presentationml/2006/main">
+  <p:cSld>
+    <p:spTree>
+      <p:nvGrpSpPr>
+        <p:cNvPr id="1" name=""/>
+        <p:cNvGrpSpPr/>
+        <p:nvPr/>
+      </p:nvGrpSpPr>
+      <p:grpSpPr>
+        <a:xfrm>
+          <a:off x="0" y="0"/>
+          <a:ext cx="0" cy="0"/>
+          <a:chOff x="0" y="0"/>
+          <a:chExt cx="0" cy="0"/>
+        </a:xfrm>
+      </p:grpSpPr>
+      <p:sp>
+        <p:nvSpPr>
+          <p:cNvPr id="2" name="Title 1"/>
+          <p:cNvSpPr>
+            <a:spLocks noGrp="1"/>
+          </p:cNvSpPr>
+          <p:nvPr>
+            <p:ph type="title"/>
+          </p:nvPr>
+        </p:nvSpPr>
+        <p:spPr/>
+        <p:txBody>
+          <a:bodyPr/>
+          <a:lstStyle/>
+          <a:p>
+            <a:r>
+              <a:rPr lang="en-US" dirty="0"/>
+              <a:t>Screen shots</a:t>
+            </a:r>
+          </a:p>
+        </p:txBody>
+      </p:sp>
       <p:sp>
         <p:nvSpPr>
           <p:cNvPr id="5" name="TextBox 4"/>
@@ -3147,6 +3265,30 @@
           </a:p>
         </p:txBody>
       </p:sp>
+      <p:pic>
+        <p:nvPicPr>
+          <p:cNvPr id="7" name="Picture 6"/>
+          <p:cNvPicPr>
+            <a:picLocks noChangeAspect="1"/>
+          </p:cNvPicPr>
+          <p:nvPr/>
+        </p:nvPicPr>
+        <p:blipFill>
+          <a:blip r:embed="rId2"/>
+          <a:stretch>
+            <a:fillRect/>
+          </a:stretch>
+        </p:blipFill>
+        <p:spPr>
+          <a:xfrm>
+            <a:off x="823912" y="1323975"/>
+            <a:ext cx="7496175" cy="4210050"/>
+          </a:xfrm>
+          <a:prstGeom prst="rect">
+            <a:avLst/>
+          </a:prstGeom>
+        </p:spPr>
+      </p:pic>
     </p:spTree>
     <p:extLst>
       <p:ext uri="{BB962C8B-B14F-4D97-AF65-F5344CB8AC3E}">
@@ -3167,7 +3309,7 @@
 </p:sld>
 </file>
 
-<file path=ppt/slides/slide11.xml><?xml version="1.0" encoding="utf-8"?>
+<file path=ppt/slides/slide14.xml><?xml version="1.0" encoding="utf-8"?>
 <p:sld xmlns:a="http://schemas.openxmlformats.org/drawingml/2006/main" xmlns:r="http://schemas.openxmlformats.org/officeDocument/2006/relationships" xmlns:p="http://schemas.openxmlformats.org/presentationml/2006/main">
   <p:cSld>
     <p:spTree>
@@ -3201,141 +3343,6 @@
           <a:p>
             <a:r>
               <a:rPr lang="en-US" dirty="0"/>
-              <a:t>Screen shots</a:t>
-            </a:r>
-          </a:p>
-        </p:txBody>
-      </p:sp>
-      <p:pic>
-        <p:nvPicPr>
-          <p:cNvPr id="4" name="Content Placeholder 3"/>
-          <p:cNvPicPr>
-            <a:picLocks noGrp="1" noChangeAspect="1"/>
-          </p:cNvPicPr>
-          <p:nvPr>
-            <p:ph idx="1"/>
-          </p:nvPr>
-        </p:nvPicPr>
-        <p:blipFill>
-          <a:blip r:embed="rId2">
-            <a:extLst>
-              <a:ext uri="{28A0092B-C50C-407E-A947-70E740481C1C}">
-                <a14:useLocalDpi xmlns:a14="http://schemas.microsoft.com/office/drawing/2010/main" val="0"/>
-              </a:ext>
-            </a:extLst>
-          </a:blip>
-          <a:stretch>
-            <a:fillRect/>
-          </a:stretch>
-        </p:blipFill>
-        <p:spPr>
-          <a:xfrm>
-            <a:off x="837679" y="1268413"/>
-            <a:ext cx="7468642" cy="4141787"/>
-          </a:xfrm>
-          <a:prstGeom prst="rect">
-            <a:avLst/>
-          </a:prstGeom>
-          <a:ln w="38100" cap="sq">
-            <a:solidFill>
-              <a:srgbClr val="000000"/>
-            </a:solidFill>
-            <a:prstDash val="solid"/>
-            <a:miter lim="800000"/>
-          </a:ln>
-          <a:effectLst>
-            <a:outerShdw blurRad="50800" dist="38100" dir="2700000" algn="tl" rotWithShape="0">
-              <a:srgbClr val="000000">
-                <a:alpha val="43000"/>
-              </a:srgbClr>
-            </a:outerShdw>
-          </a:effectLst>
-        </p:spPr>
-      </p:pic>
-      <p:sp>
-        <p:nvSpPr>
-          <p:cNvPr id="5" name="TextBox 4"/>
-          <p:cNvSpPr txBox="1"/>
-          <p:nvPr/>
-        </p:nvSpPr>
-        <p:spPr>
-          <a:xfrm>
-            <a:off x="3886200" y="5638800"/>
-            <a:ext cx="990600" cy="369332"/>
-          </a:xfrm>
-          <a:prstGeom prst="rect">
-            <a:avLst/>
-          </a:prstGeom>
-          <a:noFill/>
-        </p:spPr>
-        <p:txBody>
-          <a:bodyPr wrap="square" rtlCol="0">
-            <a:spAutoFit/>
-          </a:bodyPr>
-          <a:lstStyle/>
-          <a:p>
-            <a:r>
-              <a:rPr lang="en-US" dirty="0" smtClean="0"/>
-              <a:t>Fig 2.8</a:t>
-            </a:r>
-            <a:endParaRPr lang="en-US" dirty="0"/>
-          </a:p>
-        </p:txBody>
-      </p:sp>
-    </p:spTree>
-    <p:extLst>
-      <p:ext uri="{BB962C8B-B14F-4D97-AF65-F5344CB8AC3E}">
-        <p14:creationId xmlns:p14="http://schemas.microsoft.com/office/powerpoint/2010/main" val="2541125844"/>
-      </p:ext>
-    </p:extLst>
-  </p:cSld>
-  <p:clrMapOvr>
-    <a:masterClrMapping/>
-  </p:clrMapOvr>
-  <p:timing>
-    <p:tnLst>
-      <p:par>
-        <p:cTn id="1" dur="indefinite" restart="never" nodeType="tmRoot"/>
-      </p:par>
-    </p:tnLst>
-  </p:timing>
-</p:sld>
-</file>
-
-<file path=ppt/slides/slide12.xml><?xml version="1.0" encoding="utf-8"?>
-<p:sld xmlns:a="http://schemas.openxmlformats.org/drawingml/2006/main" xmlns:r="http://schemas.openxmlformats.org/officeDocument/2006/relationships" xmlns:p="http://schemas.openxmlformats.org/presentationml/2006/main">
-  <p:cSld>
-    <p:spTree>
-      <p:nvGrpSpPr>
-        <p:cNvPr id="1" name=""/>
-        <p:cNvGrpSpPr/>
-        <p:nvPr/>
-      </p:nvGrpSpPr>
-      <p:grpSpPr>
-        <a:xfrm>
-          <a:off x="0" y="0"/>
-          <a:ext cx="0" cy="0"/>
-          <a:chOff x="0" y="0"/>
-          <a:chExt cx="0" cy="0"/>
-        </a:xfrm>
-      </p:grpSpPr>
-      <p:sp>
-        <p:nvSpPr>
-          <p:cNvPr id="2" name="Title 1"/>
-          <p:cNvSpPr>
-            <a:spLocks noGrp="1"/>
-          </p:cNvSpPr>
-          <p:nvPr>
-            <p:ph type="title"/>
-          </p:nvPr>
-        </p:nvSpPr>
-        <p:spPr/>
-        <p:txBody>
-          <a:bodyPr/>
-          <a:lstStyle/>
-          <a:p>
-            <a:r>
-              <a:rPr lang="en-US" dirty="0"/>
               <a:t>Future Enhancements</a:t>
             </a:r>
           </a:p>
@@ -3356,33 +3363,61 @@
           <a:bodyPr/>
           <a:lstStyle/>
           <a:p>
+            <a:pPr marL="0" indent="0">
+              <a:buNone/>
+            </a:pPr>
+            <a:endParaRPr lang="en-US" dirty="0" smtClean="0"/>
+          </a:p>
+          <a:p>
+            <a:pPr>
+              <a:lnSpc>
+                <a:spcPct val="150000"/>
+              </a:lnSpc>
+            </a:pPr>
             <a:r>
               <a:rPr lang="en-US" dirty="0" smtClean="0"/>
-              <a:t>Sort by View: We can select the property by view like on Beach side , Lake Side , etc .</a:t>
-            </a:r>
-          </a:p>
-          <a:p>
-            <a:endParaRPr lang="en-US" dirty="0"/>
-          </a:p>
-          <a:p>
+              <a:t>Profile View for each user .</a:t>
+            </a:r>
+          </a:p>
+          <a:p>
+            <a:pPr>
+              <a:lnSpc>
+                <a:spcPct val="150000"/>
+              </a:lnSpc>
+            </a:pPr>
             <a:r>
               <a:rPr lang="en-US" dirty="0" smtClean="0"/>
-              <a:t>Sort by Cost Range: According to the comfort , user can select the property by Cost.</a:t>
-            </a:r>
-          </a:p>
-          <a:p>
-            <a:endParaRPr lang="en-US" dirty="0"/>
-          </a:p>
-          <a:p>
+              <a:t>Sorting on the basis of </a:t>
+            </a:r>
+          </a:p>
+          <a:p>
+            <a:pPr lvl="1"/>
             <a:r>
               <a:rPr lang="en-US" dirty="0" smtClean="0"/>
-              <a:t>Sort by Area : User can sort even by the per square feet area. </a:t>
-            </a:r>
-          </a:p>
-          <a:p>
-            <a:endParaRPr lang="en-US" dirty="0"/>
-          </a:p>
-          <a:p>
+              <a:t>View(selection of property based on balcony/outside view)</a:t>
+            </a:r>
+          </a:p>
+          <a:p>
+            <a:pPr lvl="1"/>
+            <a:r>
+              <a:rPr lang="en-US" dirty="0" smtClean="0"/>
+              <a:t>Price Range(according to buyer’s convenience)</a:t>
+            </a:r>
+          </a:p>
+          <a:p>
+            <a:pPr lvl="1"/>
+            <a:r>
+              <a:rPr lang="en-US" dirty="0"/>
+              <a:t>Area(sort even by the per square feet </a:t>
+            </a:r>
+            <a:r>
+              <a:rPr lang="en-US" dirty="0" smtClean="0"/>
+              <a:t>area</a:t>
+            </a:r>
+            <a:r>
+              <a:rPr lang="en-US" dirty="0" smtClean="0"/>
+              <a:t>)</a:t>
+            </a:r>
             <a:endParaRPr lang="en-US" dirty="0"/>
           </a:p>
         </p:txBody>
@@ -3407,7 +3442,7 @@
 </p:sld>
 </file>
 
-<file path=ppt/slides/slide13.xml><?xml version="1.0" encoding="utf-8"?>
+<file path=ppt/slides/slide15.xml><?xml version="1.0" encoding="utf-8"?>
 <p:sld xmlns:a="http://schemas.openxmlformats.org/drawingml/2006/main" xmlns:r="http://schemas.openxmlformats.org/officeDocument/2006/relationships" xmlns:p="http://schemas.openxmlformats.org/presentationml/2006/main">
   <p:cSld>
     <p:spTree>
@@ -3735,7 +3770,6 @@
               <a:rPr lang="en-US" b="1" dirty="0" smtClean="0"/>
               <a:t>Technology Used: </a:t>
             </a:r>
-            <a:endParaRPr lang="en-US" b="1" dirty="0" smtClean="0"/>
           </a:p>
           <a:p>
             <a:pPr marL="0" indent="0">
@@ -3872,48 +3906,43 @@
       </p:sp>
       <p:pic>
         <p:nvPicPr>
-          <p:cNvPr id="4" name="Content Placeholder 3"/>
+          <p:cNvPr id="2050" name="Picture 2" descr="https://raw.githubusercontent.com/kajalrp/OfficeProjectEHS/master/Capture10.PNG"/>
           <p:cNvPicPr>
-            <a:picLocks noGrp="1" noChangeAspect="1"/>
+            <a:picLocks noChangeAspect="1" noChangeArrowheads="1"/>
           </p:cNvPicPr>
-          <p:nvPr>
-            <p:ph idx="1"/>
-          </p:nvPr>
+          <p:nvPr/>
         </p:nvPicPr>
         <p:blipFill>
-          <a:blip r:embed="rId2" cstate="print">
+          <a:blip r:embed="rId2">
             <a:extLst>
               <a:ext uri="{28A0092B-C50C-407E-A947-70E740481C1C}">
                 <a14:useLocalDpi xmlns:a14="http://schemas.microsoft.com/office/drawing/2010/main" val="0"/>
               </a:ext>
             </a:extLst>
           </a:blip>
+          <a:srcRect/>
           <a:stretch>
             <a:fillRect/>
           </a:stretch>
         </p:blipFill>
-        <p:spPr>
+        <p:spPr bwMode="auto">
           <a:xfrm>
-            <a:off x="685799" y="1143000"/>
-            <a:ext cx="7239001" cy="4485024"/>
+            <a:off x="725487" y="1268413"/>
+            <a:ext cx="7693025" cy="5075662"/>
           </a:xfrm>
           <a:prstGeom prst="rect">
             <a:avLst/>
           </a:prstGeom>
-          <a:ln w="38100" cap="sq">
-            <a:solidFill>
-              <a:srgbClr val="000000"/>
-            </a:solidFill>
-            <a:prstDash val="solid"/>
-            <a:miter lim="800000"/>
-          </a:ln>
-          <a:effectLst>
-            <a:outerShdw blurRad="50800" dist="38100" dir="2700000" algn="tl" rotWithShape="0">
-              <a:srgbClr val="000000">
-                <a:alpha val="43000"/>
-              </a:srgbClr>
-            </a:outerShdw>
-          </a:effectLst>
+          <a:noFill/>
+          <a:extLst>
+            <a:ext uri="{909E8E84-426E-40DD-AFC4-6F175D3DCCD1}">
+              <a14:hiddenFill xmlns:a14="http://schemas.microsoft.com/office/drawing/2010/main">
+                <a:solidFill>
+                  <a:srgbClr val="FFFFFF"/>
+                </a:solidFill>
+              </a14:hiddenFill>
+            </a:ext>
+          </a:extLst>
         </p:spPr>
       </p:pic>
     </p:spTree>
@@ -3937,138 +3966,6 @@
 </file>
 
 <file path=ppt/slides/slide5.xml><?xml version="1.0" encoding="utf-8"?>
-<p:sld xmlns:a="http://schemas.openxmlformats.org/drawingml/2006/main" xmlns:r="http://schemas.openxmlformats.org/officeDocument/2006/relationships" xmlns:p="http://schemas.openxmlformats.org/presentationml/2006/main">
-  <p:cSld>
-    <p:spTree>
-      <p:nvGrpSpPr>
-        <p:cNvPr id="1" name=""/>
-        <p:cNvGrpSpPr/>
-        <p:nvPr/>
-      </p:nvGrpSpPr>
-      <p:grpSpPr>
-        <a:xfrm>
-          <a:off x="0" y="0"/>
-          <a:ext cx="0" cy="0"/>
-          <a:chOff x="0" y="0"/>
-          <a:chExt cx="0" cy="0"/>
-        </a:xfrm>
-      </p:grpSpPr>
-      <p:sp>
-        <p:nvSpPr>
-          <p:cNvPr id="2" name="Title 1"/>
-          <p:cNvSpPr>
-            <a:spLocks noGrp="1"/>
-          </p:cNvSpPr>
-          <p:nvPr>
-            <p:ph type="title"/>
-          </p:nvPr>
-        </p:nvSpPr>
-        <p:spPr/>
-        <p:txBody>
-          <a:bodyPr/>
-          <a:lstStyle/>
-          <a:p>
-            <a:endParaRPr lang="en-US"/>
-          </a:p>
-        </p:txBody>
-      </p:sp>
-      <p:sp>
-        <p:nvSpPr>
-          <p:cNvPr id="3" name="TextBox 2"/>
-          <p:cNvSpPr txBox="1"/>
-          <p:nvPr/>
-        </p:nvSpPr>
-        <p:spPr>
-          <a:xfrm>
-            <a:off x="3733800" y="5867400"/>
-            <a:ext cx="1219200" cy="369332"/>
-          </a:xfrm>
-          <a:prstGeom prst="rect">
-            <a:avLst/>
-          </a:prstGeom>
-          <a:noFill/>
-        </p:spPr>
-        <p:txBody>
-          <a:bodyPr wrap="square" rtlCol="0">
-            <a:spAutoFit/>
-          </a:bodyPr>
-          <a:lstStyle/>
-          <a:p>
-            <a:r>
-              <a:rPr lang="en-US" dirty="0" smtClean="0"/>
-              <a:t>Fig 2.2</a:t>
-            </a:r>
-            <a:endParaRPr lang="en-US" dirty="0"/>
-          </a:p>
-        </p:txBody>
-      </p:sp>
-      <p:pic>
-        <p:nvPicPr>
-          <p:cNvPr id="5" name="Content Placeholder 4"/>
-          <p:cNvPicPr>
-            <a:picLocks noGrp="1" noChangeAspect="1"/>
-          </p:cNvPicPr>
-          <p:nvPr>
-            <p:ph idx="1"/>
-          </p:nvPr>
-        </p:nvPicPr>
-        <p:blipFill>
-          <a:blip r:embed="rId2">
-            <a:extLst>
-              <a:ext uri="{28A0092B-C50C-407E-A947-70E740481C1C}">
-                <a14:useLocalDpi xmlns:a14="http://schemas.microsoft.com/office/drawing/2010/main" val="0"/>
-              </a:ext>
-            </a:extLst>
-          </a:blip>
-          <a:stretch>
-            <a:fillRect/>
-          </a:stretch>
-        </p:blipFill>
-        <p:spPr>
-          <a:xfrm>
-            <a:off x="1066800" y="762000"/>
-            <a:ext cx="6477000" cy="5105401"/>
-          </a:xfrm>
-          <a:prstGeom prst="rect">
-            <a:avLst/>
-          </a:prstGeom>
-          <a:ln w="38100" cap="sq">
-            <a:solidFill>
-              <a:srgbClr val="000000"/>
-            </a:solidFill>
-            <a:prstDash val="solid"/>
-            <a:miter lim="800000"/>
-          </a:ln>
-          <a:effectLst>
-            <a:outerShdw blurRad="50800" dist="38100" dir="2700000" algn="tl" rotWithShape="0">
-              <a:srgbClr val="000000">
-                <a:alpha val="43000"/>
-              </a:srgbClr>
-            </a:outerShdw>
-          </a:effectLst>
-        </p:spPr>
-      </p:pic>
-    </p:spTree>
-    <p:extLst>
-      <p:ext uri="{BB962C8B-B14F-4D97-AF65-F5344CB8AC3E}">
-        <p14:creationId xmlns:p14="http://schemas.microsoft.com/office/powerpoint/2010/main" val="158997735"/>
-      </p:ext>
-    </p:extLst>
-  </p:cSld>
-  <p:clrMapOvr>
-    <a:masterClrMapping/>
-  </p:clrMapOvr>
-  <p:timing>
-    <p:tnLst>
-      <p:par>
-        <p:cTn id="1" dur="indefinite" restart="never" nodeType="tmRoot"/>
-      </p:par>
-    </p:tnLst>
-  </p:timing>
-</p:sld>
-</file>
-
-<file path=ppt/slides/slide6.xml><?xml version="1.0" encoding="utf-8"?>
 <p:sld xmlns:a="http://schemas.openxmlformats.org/drawingml/2006/main" xmlns:r="http://schemas.openxmlformats.org/officeDocument/2006/relationships" xmlns:p="http://schemas.openxmlformats.org/presentationml/2006/main">
   <p:cSld>
     <p:spTree>
@@ -4203,7 +4100,7 @@
 </p:sld>
 </file>
 
-<file path=ppt/slides/slide7.xml><?xml version="1.0" encoding="utf-8"?>
+<file path=ppt/slides/slide6.xml><?xml version="1.0" encoding="utf-8"?>
 <p:sld xmlns:a="http://schemas.openxmlformats.org/drawingml/2006/main" xmlns:r="http://schemas.openxmlformats.org/officeDocument/2006/relationships" xmlns:p="http://schemas.openxmlformats.org/presentationml/2006/main">
   <p:cSld>
     <p:spTree>
@@ -4338,7 +4235,7 @@
 </p:sld>
 </file>
 
-<file path=ppt/slides/slide8.xml><?xml version="1.0" encoding="utf-8"?>
+<file path=ppt/slides/slide7.xml><?xml version="1.0" encoding="utf-8"?>
 <p:sld xmlns:a="http://schemas.openxmlformats.org/drawingml/2006/main" xmlns:r="http://schemas.openxmlformats.org/officeDocument/2006/relationships" xmlns:p="http://schemas.openxmlformats.org/presentationml/2006/main">
   <p:cSld>
     <p:spTree>
@@ -4473,6 +4370,119 @@
 </p:sld>
 </file>
 
+<file path=ppt/slides/slide8.xml><?xml version="1.0" encoding="utf-8"?>
+<p:sld xmlns:a="http://schemas.openxmlformats.org/drawingml/2006/main" xmlns:r="http://schemas.openxmlformats.org/officeDocument/2006/relationships" xmlns:p="http://schemas.openxmlformats.org/presentationml/2006/main">
+  <p:cSld>
+    <p:spTree>
+      <p:nvGrpSpPr>
+        <p:cNvPr id="1" name=""/>
+        <p:cNvGrpSpPr/>
+        <p:nvPr/>
+      </p:nvGrpSpPr>
+      <p:grpSpPr>
+        <a:xfrm>
+          <a:off x="0" y="0"/>
+          <a:ext cx="0" cy="0"/>
+          <a:chOff x="0" y="0"/>
+          <a:chExt cx="0" cy="0"/>
+        </a:xfrm>
+      </p:grpSpPr>
+      <p:sp>
+        <p:nvSpPr>
+          <p:cNvPr id="2" name="Title 1"/>
+          <p:cNvSpPr>
+            <a:spLocks noGrp="1"/>
+          </p:cNvSpPr>
+          <p:nvPr>
+            <p:ph type="title"/>
+          </p:nvPr>
+        </p:nvSpPr>
+        <p:spPr/>
+        <p:txBody>
+          <a:bodyPr/>
+          <a:lstStyle/>
+          <a:p>
+            <a:r>
+              <a:rPr lang="en-US" dirty="0"/>
+              <a:t>Screen shots</a:t>
+            </a:r>
+          </a:p>
+        </p:txBody>
+      </p:sp>
+      <p:sp>
+        <p:nvSpPr>
+          <p:cNvPr id="5" name="TextBox 4"/>
+          <p:cNvSpPr txBox="1"/>
+          <p:nvPr/>
+        </p:nvSpPr>
+        <p:spPr>
+          <a:xfrm>
+            <a:off x="3962400" y="5715000"/>
+            <a:ext cx="990600" cy="369332"/>
+          </a:xfrm>
+          <a:prstGeom prst="rect">
+            <a:avLst/>
+          </a:prstGeom>
+          <a:noFill/>
+        </p:spPr>
+        <p:txBody>
+          <a:bodyPr wrap="square" rtlCol="0">
+            <a:spAutoFit/>
+          </a:bodyPr>
+          <a:lstStyle/>
+          <a:p>
+            <a:r>
+              <a:rPr lang="en-US" dirty="0" smtClean="0"/>
+              <a:t>Fig 2.6</a:t>
+            </a:r>
+            <a:endParaRPr lang="en-US" dirty="0"/>
+          </a:p>
+        </p:txBody>
+      </p:sp>
+      <p:pic>
+        <p:nvPicPr>
+          <p:cNvPr id="6" name="Picture 5"/>
+          <p:cNvPicPr>
+            <a:picLocks noChangeAspect="1"/>
+          </p:cNvPicPr>
+          <p:nvPr/>
+        </p:nvPicPr>
+        <p:blipFill>
+          <a:blip r:embed="rId2"/>
+          <a:stretch>
+            <a:fillRect/>
+          </a:stretch>
+        </p:blipFill>
+        <p:spPr>
+          <a:xfrm>
+            <a:off x="828675" y="1466850"/>
+            <a:ext cx="7486650" cy="4248150"/>
+          </a:xfrm>
+          <a:prstGeom prst="rect">
+            <a:avLst/>
+          </a:prstGeom>
+        </p:spPr>
+      </p:pic>
+    </p:spTree>
+    <p:extLst>
+      <p:ext uri="{BB962C8B-B14F-4D97-AF65-F5344CB8AC3E}">
+        <p14:creationId xmlns:p14="http://schemas.microsoft.com/office/powerpoint/2010/main" val="3123372970"/>
+      </p:ext>
+    </p:extLst>
+  </p:cSld>
+  <p:clrMapOvr>
+    <a:masterClrMapping/>
+  </p:clrMapOvr>
+  <p:timing>
+    <p:tnLst>
+      <p:par>
+        <p:cTn id="1" dur="indefinite" restart="never" nodeType="tmRoot"/>
+      </p:par>
+    </p:tnLst>
+  </p:timing>
+</p:sld>
+</file>
+
 <file path=ppt/slides/slide9.xml><?xml version="1.0" encoding="utf-8"?>
 <p:sld xmlns:a="http://schemas.openxmlformats.org/drawingml/2006/main" xmlns:r="http://schemas.openxmlformats.org/officeDocument/2006/relationships" xmlns:p="http://schemas.openxmlformats.org/presentationml/2006/main">
   <p:cSld>
@@ -4505,10 +4515,7 @@
           <a:bodyPr/>
           <a:lstStyle/>
           <a:p>
-            <a:r>
-              <a:rPr lang="en-US" dirty="0"/>
-              <a:t>Screen shots</a:t>
-            </a:r>
+            <a:endParaRPr lang="en-US" dirty="0"/>
           </a:p>
         </p:txBody>
       </p:sp>
@@ -4523,88 +4530,31 @@
           </p:nvPr>
         </p:nvPicPr>
         <p:blipFill>
-          <a:blip r:embed="rId2">
-            <a:extLst>
-              <a:ext uri="{28A0092B-C50C-407E-A947-70E740481C1C}">
-                <a14:useLocalDpi xmlns:a14="http://schemas.microsoft.com/office/drawing/2010/main" val="0"/>
-              </a:ext>
-            </a:extLst>
-          </a:blip>
+          <a:blip r:embed="rId2"/>
           <a:stretch>
             <a:fillRect/>
           </a:stretch>
         </p:blipFill>
         <p:spPr>
           <a:xfrm>
-            <a:off x="828153" y="1665785"/>
-            <a:ext cx="6715647" cy="3819204"/>
+            <a:off x="828675" y="1685131"/>
+            <a:ext cx="7486650" cy="4219575"/>
           </a:xfrm>
           <a:prstGeom prst="rect">
             <a:avLst/>
           </a:prstGeom>
-          <a:ln w="38100" cap="sq">
-            <a:solidFill>
-              <a:srgbClr val="000000"/>
-            </a:solidFill>
-            <a:prstDash val="solid"/>
-            <a:miter lim="800000"/>
-          </a:ln>
-          <a:effectLst>
-            <a:outerShdw blurRad="50800" dist="38100" dir="2700000" algn="tl" rotWithShape="0">
-              <a:srgbClr val="000000">
-                <a:alpha val="43000"/>
-              </a:srgbClr>
-            </a:outerShdw>
-          </a:effectLst>
         </p:spPr>
       </p:pic>
-      <p:sp>
-        <p:nvSpPr>
-          <p:cNvPr id="5" name="TextBox 4"/>
-          <p:cNvSpPr txBox="1"/>
-          <p:nvPr/>
-        </p:nvSpPr>
-        <p:spPr>
-          <a:xfrm>
-            <a:off x="3962400" y="5715000"/>
-            <a:ext cx="990600" cy="369332"/>
-          </a:xfrm>
-          <a:prstGeom prst="rect">
-            <a:avLst/>
-          </a:prstGeom>
-          <a:noFill/>
-        </p:spPr>
-        <p:txBody>
-          <a:bodyPr wrap="square" rtlCol="0">
-            <a:spAutoFit/>
-          </a:bodyPr>
-          <a:lstStyle/>
-          <a:p>
-            <a:r>
-              <a:rPr lang="en-US" dirty="0" smtClean="0"/>
-              <a:t>Fig 2.6</a:t>
-            </a:r>
-            <a:endParaRPr lang="en-US" dirty="0"/>
-          </a:p>
-        </p:txBody>
-      </p:sp>
     </p:spTree>
     <p:extLst>
       <p:ext uri="{BB962C8B-B14F-4D97-AF65-F5344CB8AC3E}">
-        <p14:creationId xmlns:p14="http://schemas.microsoft.com/office/powerpoint/2010/main" val="3123372970"/>
+        <p14:creationId xmlns:p14="http://schemas.microsoft.com/office/powerpoint/2010/main" val="1694008072"/>
       </p:ext>
     </p:extLst>
   </p:cSld>
   <p:clrMapOvr>
     <a:masterClrMapping/>
   </p:clrMapOvr>
-  <p:timing>
-    <p:tnLst>
-      <p:par>
-        <p:cTn id="1" dur="indefinite" restart="never" nodeType="tmRoot"/>
-      </p:par>
-    </p:tnLst>
-  </p:timing>
 </p:sld>
 </file>
 
@@ -5335,15 +5285,15 @@
 <file path=customXml/itemProps2.xml><?xml version="1.0" encoding="utf-8"?>
 <ds:datastoreItem xmlns:ds="http://schemas.openxmlformats.org/officeDocument/2006/customXml" ds:itemID="{1FF59D98-0F06-4631-A6BC-A483DF8C91A4}">
   <ds:schemaRefs>
+    <ds:schemaRef ds:uri="ff9673e2-8703-4f54-a1af-e608932f257d"/>
+    <ds:schemaRef ds:uri="http://schemas.microsoft.com/office/2006/documentManagement/types"/>
+    <ds:schemaRef ds:uri="http://purl.org/dc/dcmitype/"/>
+    <ds:schemaRef ds:uri="http://schemas.microsoft.com/office/2006/metadata/properties"/>
     <ds:schemaRef ds:uri="http://purl.org/dc/elements/1.1/"/>
-    <ds:schemaRef ds:uri="http://schemas.microsoft.com/office/2006/metadata/properties"/>
+    <ds:schemaRef ds:uri="http://schemas.microsoft.com/office/infopath/2007/PartnerControls"/>
+    <ds:schemaRef ds:uri="http://schemas.openxmlformats.org/package/2006/metadata/core-properties"/>
+    <ds:schemaRef ds:uri="http://www.w3.org/XML/1998/namespace"/>
     <ds:schemaRef ds:uri="http://purl.org/dc/terms/"/>
-    <ds:schemaRef ds:uri="http://schemas.openxmlformats.org/package/2006/metadata/core-properties"/>
-    <ds:schemaRef ds:uri="http://schemas.microsoft.com/office/2006/documentManagement/types"/>
-    <ds:schemaRef ds:uri="http://www.w3.org/XML/1998/namespace"/>
-    <ds:schemaRef ds:uri="http://schemas.microsoft.com/office/infopath/2007/PartnerControls"/>
-    <ds:schemaRef ds:uri="ff9673e2-8703-4f54-a1af-e608932f257d"/>
-    <ds:schemaRef ds:uri="http://purl.org/dc/dcmitype/"/>
   </ds:schemaRefs>
 </ds:datastoreItem>
 </file>
